--- a/Behavioural Transaction Analysis for Fraud Detection.pptx
+++ b/Behavioural Transaction Analysis for Fraud Detection.pptx
@@ -145,11 +145,41 @@
 <pc:chgInfo xmlns:a="http://schemas.openxmlformats.org/drawingml/2006/main" xmlns:r="http://schemas.openxmlformats.org/officeDocument/2006/relationships" xmlns:ac="http://schemas.microsoft.com/office/drawing/2013/main/command" xmlns:pc="http://schemas.microsoft.com/office/powerpoint/2013/main/command">
   <pc:docChgLst>
     <pc:chgData name="Manjunath K S" userId="4c4597969d1a2588" providerId="LiveId" clId="{0BBD52E9-8C89-4894-919D-DA603449AF40}"/>
-    <pc:docChg chg="modSld">
-      <pc:chgData name="Manjunath K S" userId="4c4597969d1a2588" providerId="LiveId" clId="{0BBD52E9-8C89-4894-919D-DA603449AF40}" dt="2025-08-03T16:50:41.738" v="9" actId="20577"/>
+    <pc:docChg chg="custSel modSld">
+      <pc:chgData name="Manjunath K S" userId="4c4597969d1a2588" providerId="LiveId" clId="{0BBD52E9-8C89-4894-919D-DA603449AF40}" dt="2025-08-03T17:43:19.683" v="18" actId="313"/>
       <pc:docMkLst>
         <pc:docMk/>
       </pc:docMkLst>
+      <pc:sldChg chg="modSp mod">
+        <pc:chgData name="Manjunath K S" userId="4c4597969d1a2588" providerId="LiveId" clId="{0BBD52E9-8C89-4894-919D-DA603449AF40}" dt="2025-08-03T17:41:39.769" v="17" actId="20577"/>
+        <pc:sldMkLst>
+          <pc:docMk/>
+          <pc:sldMk cId="1737887042" sldId="263"/>
+        </pc:sldMkLst>
+        <pc:graphicFrameChg chg="modGraphic">
+          <ac:chgData name="Manjunath K S" userId="4c4597969d1a2588" providerId="LiveId" clId="{0BBD52E9-8C89-4894-919D-DA603449AF40}" dt="2025-08-03T17:41:39.769" v="17" actId="20577"/>
+          <ac:graphicFrameMkLst>
+            <pc:docMk/>
+            <pc:sldMk cId="1737887042" sldId="263"/>
+            <ac:graphicFrameMk id="4" creationId="{188D5EDB-86D4-A034-9637-53C372972B92}"/>
+          </ac:graphicFrameMkLst>
+        </pc:graphicFrameChg>
+      </pc:sldChg>
+      <pc:sldChg chg="modSp mod">
+        <pc:chgData name="Manjunath K S" userId="4c4597969d1a2588" providerId="LiveId" clId="{0BBD52E9-8C89-4894-919D-DA603449AF40}" dt="2025-08-03T17:43:19.683" v="18" actId="313"/>
+        <pc:sldMkLst>
+          <pc:docMk/>
+          <pc:sldMk cId="4078860879" sldId="271"/>
+        </pc:sldMkLst>
+        <pc:spChg chg="mod">
+          <ac:chgData name="Manjunath K S" userId="4c4597969d1a2588" providerId="LiveId" clId="{0BBD52E9-8C89-4894-919D-DA603449AF40}" dt="2025-08-03T17:43:19.683" v="18" actId="313"/>
+          <ac:spMkLst>
+            <pc:docMk/>
+            <pc:sldMk cId="4078860879" sldId="271"/>
+            <ac:spMk id="3" creationId="{42B8F03E-1038-4315-9BA9-781FD9B14533}"/>
+          </ac:spMkLst>
+        </pc:spChg>
+      </pc:sldChg>
       <pc:sldChg chg="modSp mod">
         <pc:chgData name="Manjunath K S" userId="4c4597969d1a2588" providerId="LiveId" clId="{0BBD52E9-8C89-4894-919D-DA603449AF40}" dt="2025-08-03T16:50:41.738" v="9" actId="20577"/>
         <pc:sldMkLst>
@@ -8929,23 +8959,7 @@
                 <a:ea typeface="Calibri" panose="020F0502020204030204" pitchFamily="34" charset="0"/>
                 <a:cs typeface="Calibri" panose="020F0502020204030204" pitchFamily="34" charset="0"/>
               </a:rPr>
-              <a:t>- Correlation matrix confirms relationship between fraud and </a:t>
-            </a:r>
-            <a:r>
-              <a:rPr lang="en-IN" sz="1600" dirty="0" err="1">
-                <a:latin typeface="Calibri" panose="020F0502020204030204" pitchFamily="34" charset="0"/>
-                <a:ea typeface="Calibri" panose="020F0502020204030204" pitchFamily="34" charset="0"/>
-                <a:cs typeface="Calibri" panose="020F0502020204030204" pitchFamily="34" charset="0"/>
-              </a:rPr>
-              <a:t>behavioral</a:t>
-            </a:r>
-            <a:r>
-              <a:rPr lang="en-IN" sz="1600" dirty="0">
-                <a:latin typeface="Calibri" panose="020F0502020204030204" pitchFamily="34" charset="0"/>
-                <a:ea typeface="Calibri" panose="020F0502020204030204" pitchFamily="34" charset="0"/>
-                <a:cs typeface="Calibri" panose="020F0502020204030204" pitchFamily="34" charset="0"/>
-              </a:rPr>
-              <a:t> anomalies.</a:t>
+              <a:t>- Correlation matrix confirms relationship between fraud and behavioural anomalies.</a:t>
             </a:r>
           </a:p>
           <a:p>
@@ -13050,7 +13064,7 @@
             <p:ph idx="1"/>
             <p:extLst>
               <p:ext uri="{D42A27DB-BD31-4B8C-83A1-F6EECF244321}">
-                <p14:modId xmlns:p14="http://schemas.microsoft.com/office/powerpoint/2010/main" val="891480408"/>
+                <p14:modId xmlns:p14="http://schemas.microsoft.com/office/powerpoint/2010/main" val="396863217"/>
               </p:ext>
             </p:extLst>
           </p:nvPr>
@@ -13237,8 +13251,16 @@
                     <a:lstStyle/>
                     <a:p>
                       <a:r>
-                        <a:rPr lang="en-US"/>
-                        <a:t>Behavioral indicators (geo, velocity, deviation)</a:t>
+                        <a:rPr lang="en-US" dirty="0"/>
+                        <a:t>Behavioral indicators (geo, </a:t>
+                      </a:r>
+                      <a:r>
+                        <a:rPr lang="en-US" dirty="0" err="1"/>
+                        <a:t>velocity,spending</a:t>
+                      </a:r>
+                      <a:r>
+                        <a:rPr lang="en-US" dirty="0"/>
+                        <a:t> deviation)</a:t>
                       </a:r>
                     </a:p>
                   </a:txBody>
